--- a/RampV08Instrumental2.0.pptx
+++ b/RampV08Instrumental2.0.pptx
@@ -10,16 +10,12 @@
     <p:sldId id="258" r:id="rId4"/>
     <p:sldId id="259" r:id="rId5"/>
     <p:sldId id="260" r:id="rId6"/>
-    <p:sldId id="261" r:id="rId7"/>
-    <p:sldId id="262" r:id="rId8"/>
-    <p:sldId id="263" r:id="rId9"/>
-    <p:sldId id="264" r:id="rId10"/>
-    <p:sldId id="265" r:id="rId11"/>
-    <p:sldId id="266" r:id="rId12"/>
-    <p:sldId id="268" r:id="rId13"/>
-    <p:sldId id="269" r:id="rId14"/>
-    <p:sldId id="270" r:id="rId15"/>
-    <p:sldId id="272" r:id="rId16"/>
+    <p:sldId id="275" r:id="rId7"/>
+    <p:sldId id="276" r:id="rId8"/>
+    <p:sldId id="277" r:id="rId9"/>
+    <p:sldId id="268" r:id="rId10"/>
+    <p:sldId id="270" r:id="rId11"/>
+    <p:sldId id="278" r:id="rId12"/>
   </p:sldIdLst>
   <p:sldSz cx="12192000" cy="6858000"/>
   <p:notesSz cx="6858000" cy="9144000"/>
@@ -273,7 +269,7 @@
           <a:p>
             <a:fld id="{7694D544-EE9D-4879-8DFF-90BF0FB40AAE}" type="datetimeFigureOut">
               <a:rPr lang="en-US" smtClean="0"/>
-              <a:t>12/13/2018</a:t>
+              <a:t>12/20/2018</a:t>
             </a:fld>
             <a:endParaRPr lang="en-US"/>
           </a:p>
@@ -471,7 +467,7 @@
           <a:p>
             <a:fld id="{7694D544-EE9D-4879-8DFF-90BF0FB40AAE}" type="datetimeFigureOut">
               <a:rPr lang="en-US" smtClean="0"/>
-              <a:t>12/13/2018</a:t>
+              <a:t>12/20/2018</a:t>
             </a:fld>
             <a:endParaRPr lang="en-US"/>
           </a:p>
@@ -679,7 +675,7 @@
           <a:p>
             <a:fld id="{7694D544-EE9D-4879-8DFF-90BF0FB40AAE}" type="datetimeFigureOut">
               <a:rPr lang="en-US" smtClean="0"/>
-              <a:t>12/13/2018</a:t>
+              <a:t>12/20/2018</a:t>
             </a:fld>
             <a:endParaRPr lang="en-US"/>
           </a:p>
@@ -877,7 +873,7 @@
           <a:p>
             <a:fld id="{7694D544-EE9D-4879-8DFF-90BF0FB40AAE}" type="datetimeFigureOut">
               <a:rPr lang="en-US" smtClean="0"/>
-              <a:t>12/13/2018</a:t>
+              <a:t>12/20/2018</a:t>
             </a:fld>
             <a:endParaRPr lang="en-US"/>
           </a:p>
@@ -1152,7 +1148,7 @@
           <a:p>
             <a:fld id="{7694D544-EE9D-4879-8DFF-90BF0FB40AAE}" type="datetimeFigureOut">
               <a:rPr lang="en-US" smtClean="0"/>
-              <a:t>12/13/2018</a:t>
+              <a:t>12/20/2018</a:t>
             </a:fld>
             <a:endParaRPr lang="en-US"/>
           </a:p>
@@ -1417,7 +1413,7 @@
           <a:p>
             <a:fld id="{7694D544-EE9D-4879-8DFF-90BF0FB40AAE}" type="datetimeFigureOut">
               <a:rPr lang="en-US" smtClean="0"/>
-              <a:t>12/13/2018</a:t>
+              <a:t>12/20/2018</a:t>
             </a:fld>
             <a:endParaRPr lang="en-US"/>
           </a:p>
@@ -1829,7 +1825,7 @@
           <a:p>
             <a:fld id="{7694D544-EE9D-4879-8DFF-90BF0FB40AAE}" type="datetimeFigureOut">
               <a:rPr lang="en-US" smtClean="0"/>
-              <a:t>12/13/2018</a:t>
+              <a:t>12/20/2018</a:t>
             </a:fld>
             <a:endParaRPr lang="en-US"/>
           </a:p>
@@ -1970,7 +1966,7 @@
           <a:p>
             <a:fld id="{7694D544-EE9D-4879-8DFF-90BF0FB40AAE}" type="datetimeFigureOut">
               <a:rPr lang="en-US" smtClean="0"/>
-              <a:t>12/13/2018</a:t>
+              <a:t>12/20/2018</a:t>
             </a:fld>
             <a:endParaRPr lang="en-US"/>
           </a:p>
@@ -2083,7 +2079,7 @@
           <a:p>
             <a:fld id="{7694D544-EE9D-4879-8DFF-90BF0FB40AAE}" type="datetimeFigureOut">
               <a:rPr lang="en-US" smtClean="0"/>
-              <a:t>12/13/2018</a:t>
+              <a:t>12/20/2018</a:t>
             </a:fld>
             <a:endParaRPr lang="en-US"/>
           </a:p>
@@ -2394,7 +2390,7 @@
           <a:p>
             <a:fld id="{7694D544-EE9D-4879-8DFF-90BF0FB40AAE}" type="datetimeFigureOut">
               <a:rPr lang="en-US" smtClean="0"/>
-              <a:t>12/13/2018</a:t>
+              <a:t>12/20/2018</a:t>
             </a:fld>
             <a:endParaRPr lang="en-US"/>
           </a:p>
@@ -2682,7 +2678,7 @@
           <a:p>
             <a:fld id="{7694D544-EE9D-4879-8DFF-90BF0FB40AAE}" type="datetimeFigureOut">
               <a:rPr lang="en-US" smtClean="0"/>
-              <a:t>12/13/2018</a:t>
+              <a:t>12/20/2018</a:t>
             </a:fld>
             <a:endParaRPr lang="en-US"/>
           </a:p>
@@ -2923,7 +2919,7 @@
           <a:p>
             <a:fld id="{7694D544-EE9D-4879-8DFF-90BF0FB40AAE}" type="datetimeFigureOut">
               <a:rPr lang="en-US" smtClean="0"/>
-              <a:t>12/13/2018</a:t>
+              <a:t>12/20/2018</a:t>
             </a:fld>
             <a:endParaRPr lang="en-US"/>
           </a:p>
@@ -3365,7 +3361,7 @@
           <a:p>
             <a:r>
               <a:rPr lang="en-US" sz="4400" dirty="0"/>
-              <a:t>Ramp Instrumental 2.0</a:t>
+              <a:t>Ramp Instrumental 2.5</a:t>
             </a:r>
           </a:p>
         </p:txBody>
@@ -3393,13 +3389,13 @@
           <a:p>
             <a:r>
               <a:rPr lang="en-US" dirty="0"/>
-              <a:t>42 subjects – 24 useable</a:t>
+              <a:t>35 subjects – 10 useable</a:t>
             </a:r>
           </a:p>
           <a:p>
             <a:r>
               <a:rPr lang="en-US" dirty="0"/>
-              <a:t>12.13.18</a:t>
+              <a:t>12.19.18</a:t>
             </a:r>
           </a:p>
         </p:txBody>
@@ -3464,17 +3460,17 @@
           <a:p>
             <a:r>
               <a:rPr lang="en-US" sz="2000" dirty="0"/>
-              <a:t>Mid value</a:t>
+              <a:t>Participants who gambled more than 50%</a:t>
             </a:r>
           </a:p>
         </p:txBody>
       </p:sp>
       <p:pic>
         <p:nvPicPr>
-          <p:cNvPr id="3" name="Picture 2">
-            <a:extLst>
-              <a:ext uri="{FF2B5EF4-FFF2-40B4-BE49-F238E27FC236}">
-                <a16:creationId xmlns:a16="http://schemas.microsoft.com/office/drawing/2014/main" id="{81AC149E-DD8A-45BC-AF97-C3CBA2672F01}"/>
+          <p:cNvPr id="7" name="Picture 6">
+            <a:extLst>
+              <a:ext uri="{FF2B5EF4-FFF2-40B4-BE49-F238E27FC236}">
+                <a16:creationId xmlns:a16="http://schemas.microsoft.com/office/drawing/2014/main" id="{E4CC69A3-6BED-4962-9ADE-3403502437D4}"/>
               </a:ext>
             </a:extLst>
           </p:cNvPr>
@@ -3491,8 +3487,8 @@
         </p:blipFill>
         <p:spPr>
           <a:xfrm>
-            <a:off x="558468" y="886218"/>
-            <a:ext cx="3845183" cy="2542782"/>
+            <a:off x="5926881" y="606241"/>
+            <a:ext cx="4641881" cy="2890459"/>
           </a:xfrm>
           <a:prstGeom prst="rect">
             <a:avLst/>
@@ -3501,10 +3497,10 @@
       </p:pic>
       <p:pic>
         <p:nvPicPr>
-          <p:cNvPr id="4" name="Picture 3">
-            <a:extLst>
-              <a:ext uri="{FF2B5EF4-FFF2-40B4-BE49-F238E27FC236}">
-                <a16:creationId xmlns:a16="http://schemas.microsoft.com/office/drawing/2014/main" id="{DDAA4364-0821-4C27-BDC3-110B1193D2F0}"/>
+          <p:cNvPr id="8" name="Picture 7">
+            <a:extLst>
+              <a:ext uri="{FF2B5EF4-FFF2-40B4-BE49-F238E27FC236}">
+                <a16:creationId xmlns:a16="http://schemas.microsoft.com/office/drawing/2014/main" id="{34C98C28-9ED6-4D4E-95A5-8A2FC96DA295}"/>
               </a:ext>
             </a:extLst>
           </p:cNvPr>
@@ -3521,8 +3517,8 @@
         </p:blipFill>
         <p:spPr>
           <a:xfrm>
-            <a:off x="5734234" y="475492"/>
-            <a:ext cx="6041822" cy="3995398"/>
+            <a:off x="445024" y="1031357"/>
+            <a:ext cx="4283993" cy="2667605"/>
           </a:xfrm>
           <a:prstGeom prst="rect">
             <a:avLst/>
@@ -3531,10 +3527,10 @@
       </p:pic>
       <p:pic>
         <p:nvPicPr>
-          <p:cNvPr id="5" name="Picture 4">
-            <a:extLst>
-              <a:ext uri="{FF2B5EF4-FFF2-40B4-BE49-F238E27FC236}">
-                <a16:creationId xmlns:a16="http://schemas.microsoft.com/office/drawing/2014/main" id="{2F176C0E-4F21-4590-98A1-4A7C8D43AEFB}"/>
+          <p:cNvPr id="9" name="Picture 8">
+            <a:extLst>
+              <a:ext uri="{FF2B5EF4-FFF2-40B4-BE49-F238E27FC236}">
+                <a16:creationId xmlns:a16="http://schemas.microsoft.com/office/drawing/2014/main" id="{FFE0C78F-D8D6-4018-8C81-A0D1CCBBEDC1}"/>
               </a:ext>
             </a:extLst>
           </p:cNvPr>
@@ -3551,8 +3547,38 @@
         </p:blipFill>
         <p:spPr>
           <a:xfrm>
-            <a:off x="415944" y="3542871"/>
-            <a:ext cx="4621360" cy="3056061"/>
+            <a:off x="548879" y="3913655"/>
+            <a:ext cx="4180138" cy="2602935"/>
+          </a:xfrm>
+          <a:prstGeom prst="rect">
+            <a:avLst/>
+          </a:prstGeom>
+        </p:spPr>
+      </p:pic>
+      <p:pic>
+        <p:nvPicPr>
+          <p:cNvPr id="10" name="Picture 9">
+            <a:extLst>
+              <a:ext uri="{FF2B5EF4-FFF2-40B4-BE49-F238E27FC236}">
+                <a16:creationId xmlns:a16="http://schemas.microsoft.com/office/drawing/2014/main" id="{3A8C6C15-7243-4948-A41E-996215DAE868}"/>
+              </a:ext>
+            </a:extLst>
+          </p:cNvPr>
+          <p:cNvPicPr>
+            <a:picLocks noChangeAspect="1"/>
+          </p:cNvPicPr>
+          <p:nvPr/>
+        </p:nvPicPr>
+        <p:blipFill>
+          <a:blip r:embed="rId5"/>
+          <a:stretch>
+            <a:fillRect/>
+          </a:stretch>
+        </p:blipFill>
+        <p:spPr>
+          <a:xfrm>
+            <a:off x="5926881" y="3698962"/>
+            <a:ext cx="4477848" cy="2788318"/>
           </a:xfrm>
           <a:prstGeom prst="rect">
             <a:avLst/>
@@ -3562,7 +3588,7 @@
     </p:spTree>
     <p:extLst>
       <p:ext uri="{BB962C8B-B14F-4D97-AF65-F5344CB8AC3E}">
-        <p14:creationId xmlns:p14="http://schemas.microsoft.com/office/powerpoint/2010/main" val="3764883689"/>
+        <p14:creationId xmlns:p14="http://schemas.microsoft.com/office/powerpoint/2010/main" val="916927832"/>
       </p:ext>
     </p:extLst>
   </p:cSld>
@@ -3619,17 +3645,17 @@
           <a:p>
             <a:r>
               <a:rPr lang="en-US" sz="2000" dirty="0"/>
-              <a:t>High value</a:t>
+              <a:t>Interesting participant: 916</a:t>
             </a:r>
           </a:p>
         </p:txBody>
       </p:sp>
       <p:pic>
         <p:nvPicPr>
-          <p:cNvPr id="3" name="Picture 2">
-            <a:extLst>
-              <a:ext uri="{FF2B5EF4-FFF2-40B4-BE49-F238E27FC236}">
-                <a16:creationId xmlns:a16="http://schemas.microsoft.com/office/drawing/2014/main" id="{BDCF0ED4-43A4-4562-A478-5C11EEF076C2}"/>
+          <p:cNvPr id="5" name="Picture 4">
+            <a:extLst>
+              <a:ext uri="{FF2B5EF4-FFF2-40B4-BE49-F238E27FC236}">
+                <a16:creationId xmlns:a16="http://schemas.microsoft.com/office/drawing/2014/main" id="{ED00373A-3C02-4F08-B733-30FF6AD1175E}"/>
               </a:ext>
             </a:extLst>
           </p:cNvPr>
@@ -3646,8 +3672,8 @@
         </p:blipFill>
         <p:spPr>
           <a:xfrm>
-            <a:off x="288979" y="810746"/>
-            <a:ext cx="4254795" cy="2813655"/>
+            <a:off x="95807" y="1020000"/>
+            <a:ext cx="4063180" cy="2530107"/>
           </a:xfrm>
           <a:prstGeom prst="rect">
             <a:avLst/>
@@ -3656,10 +3682,10 @@
       </p:pic>
       <p:pic>
         <p:nvPicPr>
-          <p:cNvPr id="4" name="Picture 3">
-            <a:extLst>
-              <a:ext uri="{FF2B5EF4-FFF2-40B4-BE49-F238E27FC236}">
-                <a16:creationId xmlns:a16="http://schemas.microsoft.com/office/drawing/2014/main" id="{45451E58-8538-4937-926F-185658C2E840}"/>
+          <p:cNvPr id="6" name="Picture 5">
+            <a:extLst>
+              <a:ext uri="{FF2B5EF4-FFF2-40B4-BE49-F238E27FC236}">
+                <a16:creationId xmlns:a16="http://schemas.microsoft.com/office/drawing/2014/main" id="{55FD2AE7-DC5E-4ED3-BA47-7FEF54F5EA00}"/>
               </a:ext>
             </a:extLst>
           </p:cNvPr>
@@ -3676,8 +3702,8 @@
         </p:blipFill>
         <p:spPr>
           <a:xfrm>
-            <a:off x="5958033" y="446797"/>
-            <a:ext cx="5594972" cy="3699901"/>
+            <a:off x="402494" y="4092809"/>
+            <a:ext cx="4063180" cy="2530107"/>
           </a:xfrm>
           <a:prstGeom prst="rect">
             <a:avLst/>
@@ -3686,10 +3712,10 @@
       </p:pic>
       <p:pic>
         <p:nvPicPr>
-          <p:cNvPr id="5" name="Picture 4">
-            <a:extLst>
-              <a:ext uri="{FF2B5EF4-FFF2-40B4-BE49-F238E27FC236}">
-                <a16:creationId xmlns:a16="http://schemas.microsoft.com/office/drawing/2014/main" id="{826DFA31-71A3-4948-BCBE-F01E9DA17A10}"/>
+          <p:cNvPr id="9" name="Picture 8">
+            <a:extLst>
+              <a:ext uri="{FF2B5EF4-FFF2-40B4-BE49-F238E27FC236}">
+                <a16:creationId xmlns:a16="http://schemas.microsoft.com/office/drawing/2014/main" id="{AFD6C7FE-5AA3-437C-B2A7-E1D8EA67669A}"/>
               </a:ext>
             </a:extLst>
           </p:cNvPr>
@@ -3706,8 +3732,8 @@
         </p:blipFill>
         <p:spPr>
           <a:xfrm>
-            <a:off x="0" y="3610838"/>
-            <a:ext cx="4910342" cy="3247162"/>
+            <a:off x="7005313" y="986896"/>
+            <a:ext cx="4169505" cy="2596314"/>
           </a:xfrm>
           <a:prstGeom prst="rect">
             <a:avLst/>
@@ -3717,751 +3743,7 @@
     </p:spTree>
     <p:extLst>
       <p:ext uri="{BB962C8B-B14F-4D97-AF65-F5344CB8AC3E}">
-        <p14:creationId xmlns:p14="http://schemas.microsoft.com/office/powerpoint/2010/main" val="2637063905"/>
-      </p:ext>
-    </p:extLst>
-  </p:cSld>
-  <p:clrMapOvr>
-    <a:masterClrMapping/>
-  </p:clrMapOvr>
-</p:sld>
-</file>
-
-<file path=ppt/slides/slide12.xml><?xml version="1.0" encoding="utf-8"?>
-<p:sld xmlns:a="http://schemas.openxmlformats.org/drawingml/2006/main" xmlns:r="http://schemas.openxmlformats.org/officeDocument/2006/relationships" xmlns:p="http://schemas.openxmlformats.org/presentationml/2006/main">
-  <p:cSld>
-    <p:spTree>
-      <p:nvGrpSpPr>
-        <p:cNvPr id="1" name=""/>
-        <p:cNvGrpSpPr/>
-        <p:nvPr/>
-      </p:nvGrpSpPr>
-      <p:grpSpPr>
-        <a:xfrm>
-          <a:off x="0" y="0"/>
-          <a:ext cx="0" cy="0"/>
-          <a:chOff x="0" y="0"/>
-          <a:chExt cx="0" cy="0"/>
-        </a:xfrm>
-      </p:grpSpPr>
-      <p:sp>
-        <p:nvSpPr>
-          <p:cNvPr id="2" name="Title 1">
-            <a:extLst>
-              <a:ext uri="{FF2B5EF4-FFF2-40B4-BE49-F238E27FC236}">
-                <a16:creationId xmlns:a16="http://schemas.microsoft.com/office/drawing/2014/main" id="{2D300C4C-534B-4DA3-98FB-DB49B53097DB}"/>
-              </a:ext>
-            </a:extLst>
-          </p:cNvPr>
-          <p:cNvSpPr>
-            <a:spLocks noGrp="1"/>
-          </p:cNvSpPr>
-          <p:nvPr>
-            <p:ph type="title"/>
-          </p:nvPr>
-        </p:nvSpPr>
-        <p:spPr>
-          <a:xfrm>
-            <a:off x="0" y="0"/>
-            <a:ext cx="4254795" cy="1304187"/>
-          </a:xfrm>
-        </p:spPr>
-        <p:txBody>
-          <a:bodyPr>
-            <a:normAutofit/>
-          </a:bodyPr>
-          <a:lstStyle/>
-          <a:p>
-            <a:r>
-              <a:rPr lang="en-US" sz="2000" dirty="0"/>
-              <a:t>Subgroup analysis – people who demonstrated negative RT ramp</a:t>
-            </a:r>
-          </a:p>
-        </p:txBody>
-      </p:sp>
-      <p:pic>
-        <p:nvPicPr>
-          <p:cNvPr id="6" name="Picture 5">
-            <a:extLst>
-              <a:ext uri="{FF2B5EF4-FFF2-40B4-BE49-F238E27FC236}">
-                <a16:creationId xmlns:a16="http://schemas.microsoft.com/office/drawing/2014/main" id="{DAD246CC-5279-4D89-88B4-A2F888260145}"/>
-              </a:ext>
-            </a:extLst>
-          </p:cNvPr>
-          <p:cNvPicPr>
-            <a:picLocks noChangeAspect="1"/>
-          </p:cNvPicPr>
-          <p:nvPr/>
-        </p:nvPicPr>
-        <p:blipFill>
-          <a:blip r:embed="rId2"/>
-          <a:stretch>
-            <a:fillRect/>
-          </a:stretch>
-        </p:blipFill>
-        <p:spPr>
-          <a:xfrm>
-            <a:off x="801246" y="4185538"/>
-            <a:ext cx="3792020" cy="2507627"/>
-          </a:xfrm>
-          <a:prstGeom prst="rect">
-            <a:avLst/>
-          </a:prstGeom>
-        </p:spPr>
-      </p:pic>
-      <p:pic>
-        <p:nvPicPr>
-          <p:cNvPr id="7" name="Picture 6">
-            <a:extLst>
-              <a:ext uri="{FF2B5EF4-FFF2-40B4-BE49-F238E27FC236}">
-                <a16:creationId xmlns:a16="http://schemas.microsoft.com/office/drawing/2014/main" id="{2062C5AE-85DD-4BE1-9497-D937ECE0B86C}"/>
-              </a:ext>
-            </a:extLst>
-          </p:cNvPr>
-          <p:cNvPicPr>
-            <a:picLocks noChangeAspect="1"/>
-          </p:cNvPicPr>
-          <p:nvPr/>
-        </p:nvPicPr>
-        <p:blipFill>
-          <a:blip r:embed="rId3"/>
-          <a:stretch>
-            <a:fillRect/>
-          </a:stretch>
-        </p:blipFill>
-        <p:spPr>
-          <a:xfrm>
-            <a:off x="6096000" y="56364"/>
-            <a:ext cx="5100084" cy="3372636"/>
-          </a:xfrm>
-          <a:prstGeom prst="rect">
-            <a:avLst/>
-          </a:prstGeom>
-        </p:spPr>
-      </p:pic>
-      <p:pic>
-        <p:nvPicPr>
-          <p:cNvPr id="8" name="Picture 7">
-            <a:extLst>
-              <a:ext uri="{FF2B5EF4-FFF2-40B4-BE49-F238E27FC236}">
-                <a16:creationId xmlns:a16="http://schemas.microsoft.com/office/drawing/2014/main" id="{D9D6A6EE-D930-4455-B48E-CA9172E91936}"/>
-              </a:ext>
-            </a:extLst>
-          </p:cNvPr>
-          <p:cNvPicPr>
-            <a:picLocks noChangeAspect="1"/>
-          </p:cNvPicPr>
-          <p:nvPr/>
-        </p:nvPicPr>
-        <p:blipFill>
-          <a:blip r:embed="rId4"/>
-          <a:stretch>
-            <a:fillRect/>
-          </a:stretch>
-        </p:blipFill>
-        <p:spPr>
-          <a:xfrm>
-            <a:off x="205821" y="987741"/>
-            <a:ext cx="4844644" cy="3203716"/>
-          </a:xfrm>
-          <a:prstGeom prst="rect">
-            <a:avLst/>
-          </a:prstGeom>
-        </p:spPr>
-      </p:pic>
-      <p:pic>
-        <p:nvPicPr>
-          <p:cNvPr id="9" name="Picture 8">
-            <a:extLst>
-              <a:ext uri="{FF2B5EF4-FFF2-40B4-BE49-F238E27FC236}">
-                <a16:creationId xmlns:a16="http://schemas.microsoft.com/office/drawing/2014/main" id="{07A707F6-D4B6-4060-BDBA-BFE67D65E2AF}"/>
-              </a:ext>
-            </a:extLst>
-          </p:cNvPr>
-          <p:cNvPicPr>
-            <a:picLocks noChangeAspect="1"/>
-          </p:cNvPicPr>
-          <p:nvPr/>
-        </p:nvPicPr>
-        <p:blipFill>
-          <a:blip r:embed="rId5"/>
-          <a:stretch>
-            <a:fillRect/>
-          </a:stretch>
-        </p:blipFill>
-        <p:spPr>
-          <a:xfrm>
-            <a:off x="6532193" y="3693354"/>
-            <a:ext cx="4536300" cy="2999811"/>
-          </a:xfrm>
-          <a:prstGeom prst="rect">
-            <a:avLst/>
-          </a:prstGeom>
-        </p:spPr>
-      </p:pic>
-    </p:spTree>
-    <p:extLst>
-      <p:ext uri="{BB962C8B-B14F-4D97-AF65-F5344CB8AC3E}">
-        <p14:creationId xmlns:p14="http://schemas.microsoft.com/office/powerpoint/2010/main" val="815244731"/>
-      </p:ext>
-    </p:extLst>
-  </p:cSld>
-  <p:clrMapOvr>
-    <a:masterClrMapping/>
-  </p:clrMapOvr>
-</p:sld>
-</file>
-
-<file path=ppt/slides/slide13.xml><?xml version="1.0" encoding="utf-8"?>
-<p:sld xmlns:a="http://schemas.openxmlformats.org/drawingml/2006/main" xmlns:r="http://schemas.openxmlformats.org/officeDocument/2006/relationships" xmlns:p="http://schemas.openxmlformats.org/presentationml/2006/main">
-  <p:cSld>
-    <p:spTree>
-      <p:nvGrpSpPr>
-        <p:cNvPr id="1" name=""/>
-        <p:cNvGrpSpPr/>
-        <p:nvPr/>
-      </p:nvGrpSpPr>
-      <p:grpSpPr>
-        <a:xfrm>
-          <a:off x="0" y="0"/>
-          <a:ext cx="0" cy="0"/>
-          <a:chOff x="0" y="0"/>
-          <a:chExt cx="0" cy="0"/>
-        </a:xfrm>
-      </p:grpSpPr>
-      <p:sp>
-        <p:nvSpPr>
-          <p:cNvPr id="2" name="Title 1">
-            <a:extLst>
-              <a:ext uri="{FF2B5EF4-FFF2-40B4-BE49-F238E27FC236}">
-                <a16:creationId xmlns:a16="http://schemas.microsoft.com/office/drawing/2014/main" id="{2D300C4C-534B-4DA3-98FB-DB49B53097DB}"/>
-              </a:ext>
-            </a:extLst>
-          </p:cNvPr>
-          <p:cNvSpPr>
-            <a:spLocks noGrp="1"/>
-          </p:cNvSpPr>
-          <p:nvPr>
-            <p:ph type="title"/>
-          </p:nvPr>
-        </p:nvSpPr>
-        <p:spPr>
-          <a:xfrm>
-            <a:off x="0" y="0"/>
-            <a:ext cx="4254795" cy="1304187"/>
-          </a:xfrm>
-        </p:spPr>
-        <p:txBody>
-          <a:bodyPr>
-            <a:normAutofit/>
-          </a:bodyPr>
-          <a:lstStyle/>
-          <a:p>
-            <a:r>
-              <a:rPr lang="en-US" sz="2000" dirty="0" err="1"/>
-              <a:t>FailCatch</a:t>
-            </a:r>
-            <a:r>
-              <a:rPr lang="en-US" sz="2000" dirty="0"/>
-              <a:t> participants</a:t>
-            </a:r>
-          </a:p>
-        </p:txBody>
-      </p:sp>
-      <p:pic>
-        <p:nvPicPr>
-          <p:cNvPr id="6" name="Picture 5">
-            <a:extLst>
-              <a:ext uri="{FF2B5EF4-FFF2-40B4-BE49-F238E27FC236}">
-                <a16:creationId xmlns:a16="http://schemas.microsoft.com/office/drawing/2014/main" id="{4407E47F-0C89-4B9D-A089-11699F05200E}"/>
-              </a:ext>
-            </a:extLst>
-          </p:cNvPr>
-          <p:cNvPicPr>
-            <a:picLocks noChangeAspect="1"/>
-          </p:cNvPicPr>
-          <p:nvPr/>
-        </p:nvPicPr>
-        <p:blipFill>
-          <a:blip r:embed="rId2"/>
-          <a:stretch>
-            <a:fillRect/>
-          </a:stretch>
-        </p:blipFill>
-        <p:spPr>
-          <a:xfrm>
-            <a:off x="375943" y="880902"/>
-            <a:ext cx="4089732" cy="2704500"/>
-          </a:xfrm>
-          <a:prstGeom prst="rect">
-            <a:avLst/>
-          </a:prstGeom>
-        </p:spPr>
-      </p:pic>
-      <p:pic>
-        <p:nvPicPr>
-          <p:cNvPr id="7" name="Picture 6">
-            <a:extLst>
-              <a:ext uri="{FF2B5EF4-FFF2-40B4-BE49-F238E27FC236}">
-                <a16:creationId xmlns:a16="http://schemas.microsoft.com/office/drawing/2014/main" id="{79700E7D-B311-43CA-92B0-5B69A5C788AB}"/>
-              </a:ext>
-            </a:extLst>
-          </p:cNvPr>
-          <p:cNvPicPr>
-            <a:picLocks noChangeAspect="1"/>
-          </p:cNvPicPr>
-          <p:nvPr/>
-        </p:nvPicPr>
-        <p:blipFill>
-          <a:blip r:embed="rId3"/>
-          <a:stretch>
-            <a:fillRect/>
-          </a:stretch>
-        </p:blipFill>
-        <p:spPr>
-          <a:xfrm>
-            <a:off x="5639060" y="120388"/>
-            <a:ext cx="5429434" cy="3590432"/>
-          </a:xfrm>
-          <a:prstGeom prst="rect">
-            <a:avLst/>
-          </a:prstGeom>
-        </p:spPr>
-      </p:pic>
-      <p:pic>
-        <p:nvPicPr>
-          <p:cNvPr id="8" name="Picture 7">
-            <a:extLst>
-              <a:ext uri="{FF2B5EF4-FFF2-40B4-BE49-F238E27FC236}">
-                <a16:creationId xmlns:a16="http://schemas.microsoft.com/office/drawing/2014/main" id="{FC71D3A6-2BD3-4302-8F76-4A6A69BDBF50}"/>
-              </a:ext>
-            </a:extLst>
-          </p:cNvPr>
-          <p:cNvPicPr>
-            <a:picLocks noChangeAspect="1"/>
-          </p:cNvPicPr>
-          <p:nvPr/>
-        </p:nvPicPr>
-        <p:blipFill>
-          <a:blip r:embed="rId4"/>
-          <a:stretch>
-            <a:fillRect/>
-          </a:stretch>
-        </p:blipFill>
-        <p:spPr>
-          <a:xfrm>
-            <a:off x="207723" y="3710820"/>
-            <a:ext cx="4695788" cy="3105279"/>
-          </a:xfrm>
-          <a:prstGeom prst="rect">
-            <a:avLst/>
-          </a:prstGeom>
-        </p:spPr>
-      </p:pic>
-      <p:pic>
-        <p:nvPicPr>
-          <p:cNvPr id="9" name="Picture 8">
-            <a:extLst>
-              <a:ext uri="{FF2B5EF4-FFF2-40B4-BE49-F238E27FC236}">
-                <a16:creationId xmlns:a16="http://schemas.microsoft.com/office/drawing/2014/main" id="{10A97ADD-3E16-4690-B5EC-2CB2332954F9}"/>
-              </a:ext>
-            </a:extLst>
-          </p:cNvPr>
-          <p:cNvPicPr>
-            <a:picLocks noChangeAspect="1"/>
-          </p:cNvPicPr>
-          <p:nvPr/>
-        </p:nvPicPr>
-        <p:blipFill>
-          <a:blip r:embed="rId5"/>
-          <a:stretch>
-            <a:fillRect/>
-          </a:stretch>
-        </p:blipFill>
-        <p:spPr>
-          <a:xfrm>
-            <a:off x="6362073" y="3883084"/>
-            <a:ext cx="4174793" cy="2760750"/>
-          </a:xfrm>
-          <a:prstGeom prst="rect">
-            <a:avLst/>
-          </a:prstGeom>
-        </p:spPr>
-      </p:pic>
-    </p:spTree>
-    <p:extLst>
-      <p:ext uri="{BB962C8B-B14F-4D97-AF65-F5344CB8AC3E}">
-        <p14:creationId xmlns:p14="http://schemas.microsoft.com/office/powerpoint/2010/main" val="2178316138"/>
-      </p:ext>
-    </p:extLst>
-  </p:cSld>
-  <p:clrMapOvr>
-    <a:masterClrMapping/>
-  </p:clrMapOvr>
-</p:sld>
-</file>
-
-<file path=ppt/slides/slide14.xml><?xml version="1.0" encoding="utf-8"?>
-<p:sld xmlns:a="http://schemas.openxmlformats.org/drawingml/2006/main" xmlns:r="http://schemas.openxmlformats.org/officeDocument/2006/relationships" xmlns:p="http://schemas.openxmlformats.org/presentationml/2006/main">
-  <p:cSld>
-    <p:spTree>
-      <p:nvGrpSpPr>
-        <p:cNvPr id="1" name=""/>
-        <p:cNvGrpSpPr/>
-        <p:nvPr/>
-      </p:nvGrpSpPr>
-      <p:grpSpPr>
-        <a:xfrm>
-          <a:off x="0" y="0"/>
-          <a:ext cx="0" cy="0"/>
-          <a:chOff x="0" y="0"/>
-          <a:chExt cx="0" cy="0"/>
-        </a:xfrm>
-      </p:grpSpPr>
-      <p:sp>
-        <p:nvSpPr>
-          <p:cNvPr id="2" name="Title 1">
-            <a:extLst>
-              <a:ext uri="{FF2B5EF4-FFF2-40B4-BE49-F238E27FC236}">
-                <a16:creationId xmlns:a16="http://schemas.microsoft.com/office/drawing/2014/main" id="{2D300C4C-534B-4DA3-98FB-DB49B53097DB}"/>
-              </a:ext>
-            </a:extLst>
-          </p:cNvPr>
-          <p:cNvSpPr>
-            <a:spLocks noGrp="1"/>
-          </p:cNvSpPr>
-          <p:nvPr>
-            <p:ph type="title"/>
-          </p:nvPr>
-        </p:nvSpPr>
-        <p:spPr>
-          <a:xfrm>
-            <a:off x="0" y="0"/>
-            <a:ext cx="4254795" cy="1304187"/>
-          </a:xfrm>
-        </p:spPr>
-        <p:txBody>
-          <a:bodyPr>
-            <a:normAutofit/>
-          </a:bodyPr>
-          <a:lstStyle/>
-          <a:p>
-            <a:r>
-              <a:rPr lang="en-US" sz="2000" dirty="0"/>
-              <a:t>Participants who gambled more than 50%</a:t>
-            </a:r>
-          </a:p>
-        </p:txBody>
-      </p:sp>
-      <p:pic>
-        <p:nvPicPr>
-          <p:cNvPr id="3" name="Picture 2">
-            <a:extLst>
-              <a:ext uri="{FF2B5EF4-FFF2-40B4-BE49-F238E27FC236}">
-                <a16:creationId xmlns:a16="http://schemas.microsoft.com/office/drawing/2014/main" id="{C46FBAE2-CE06-46B3-93C0-24AAEE8FF1B4}"/>
-              </a:ext>
-            </a:extLst>
-          </p:cNvPr>
-          <p:cNvPicPr>
-            <a:picLocks noChangeAspect="1"/>
-          </p:cNvPicPr>
-          <p:nvPr/>
-        </p:nvPicPr>
-        <p:blipFill>
-          <a:blip r:embed="rId2"/>
-          <a:stretch>
-            <a:fillRect/>
-          </a:stretch>
-        </p:blipFill>
-        <p:spPr>
-          <a:xfrm>
-            <a:off x="515809" y="808073"/>
-            <a:ext cx="4119469" cy="2724165"/>
-          </a:xfrm>
-          <a:prstGeom prst="rect">
-            <a:avLst/>
-          </a:prstGeom>
-        </p:spPr>
-      </p:pic>
-      <p:pic>
-        <p:nvPicPr>
-          <p:cNvPr id="4" name="Picture 3">
-            <a:extLst>
-              <a:ext uri="{FF2B5EF4-FFF2-40B4-BE49-F238E27FC236}">
-                <a16:creationId xmlns:a16="http://schemas.microsoft.com/office/drawing/2014/main" id="{F986D186-A25C-4388-B715-E7099C713ABE}"/>
-              </a:ext>
-            </a:extLst>
-          </p:cNvPr>
-          <p:cNvPicPr>
-            <a:picLocks noChangeAspect="1"/>
-          </p:cNvPicPr>
-          <p:nvPr/>
-        </p:nvPicPr>
-        <p:blipFill>
-          <a:blip r:embed="rId3"/>
-          <a:stretch>
-            <a:fillRect/>
-          </a:stretch>
-        </p:blipFill>
-        <p:spPr>
-          <a:xfrm>
-            <a:off x="6489663" y="329608"/>
-            <a:ext cx="4483137" cy="2964655"/>
-          </a:xfrm>
-          <a:prstGeom prst="rect">
-            <a:avLst/>
-          </a:prstGeom>
-        </p:spPr>
-      </p:pic>
-      <p:pic>
-        <p:nvPicPr>
-          <p:cNvPr id="9" name="Picture 8">
-            <a:extLst>
-              <a:ext uri="{FF2B5EF4-FFF2-40B4-BE49-F238E27FC236}">
-                <a16:creationId xmlns:a16="http://schemas.microsoft.com/office/drawing/2014/main" id="{9B7DCFCD-2924-41F8-9D59-12FE5DFC2A02}"/>
-              </a:ext>
-            </a:extLst>
-          </p:cNvPr>
-          <p:cNvPicPr>
-            <a:picLocks noChangeAspect="1"/>
-          </p:cNvPicPr>
-          <p:nvPr/>
-        </p:nvPicPr>
-        <p:blipFill>
-          <a:blip r:embed="rId4"/>
-          <a:stretch>
-            <a:fillRect/>
-          </a:stretch>
-        </p:blipFill>
-        <p:spPr>
-          <a:xfrm>
-            <a:off x="290364" y="3686940"/>
-            <a:ext cx="4344914" cy="2873249"/>
-          </a:xfrm>
-          <a:prstGeom prst="rect">
-            <a:avLst/>
-          </a:prstGeom>
-        </p:spPr>
-      </p:pic>
-      <p:pic>
-        <p:nvPicPr>
-          <p:cNvPr id="10" name="Picture 9">
-            <a:extLst>
-              <a:ext uri="{FF2B5EF4-FFF2-40B4-BE49-F238E27FC236}">
-                <a16:creationId xmlns:a16="http://schemas.microsoft.com/office/drawing/2014/main" id="{A75A5B61-C969-4D5F-95A6-FACB9F32B41B}"/>
-              </a:ext>
-            </a:extLst>
-          </p:cNvPr>
-          <p:cNvPicPr>
-            <a:picLocks noChangeAspect="1"/>
-          </p:cNvPicPr>
-          <p:nvPr/>
-        </p:nvPicPr>
-        <p:blipFill>
-          <a:blip r:embed="rId5"/>
-          <a:stretch>
-            <a:fillRect/>
-          </a:stretch>
-        </p:blipFill>
-        <p:spPr>
-          <a:xfrm>
-            <a:off x="6671496" y="3563738"/>
-            <a:ext cx="4119469" cy="2724165"/>
-          </a:xfrm>
-          <a:prstGeom prst="rect">
-            <a:avLst/>
-          </a:prstGeom>
-        </p:spPr>
-      </p:pic>
-    </p:spTree>
-    <p:extLst>
-      <p:ext uri="{BB962C8B-B14F-4D97-AF65-F5344CB8AC3E}">
-        <p14:creationId xmlns:p14="http://schemas.microsoft.com/office/powerpoint/2010/main" val="916927832"/>
-      </p:ext>
-    </p:extLst>
-  </p:cSld>
-  <p:clrMapOvr>
-    <a:masterClrMapping/>
-  </p:clrMapOvr>
-</p:sld>
-</file>
-
-<file path=ppt/slides/slide15.xml><?xml version="1.0" encoding="utf-8"?>
-<p:sld xmlns:a="http://schemas.openxmlformats.org/drawingml/2006/main" xmlns:r="http://schemas.openxmlformats.org/officeDocument/2006/relationships" xmlns:p="http://schemas.openxmlformats.org/presentationml/2006/main">
-  <p:cSld>
-    <p:spTree>
-      <p:nvGrpSpPr>
-        <p:cNvPr id="1" name=""/>
-        <p:cNvGrpSpPr/>
-        <p:nvPr/>
-      </p:nvGrpSpPr>
-      <p:grpSpPr>
-        <a:xfrm>
-          <a:off x="0" y="0"/>
-          <a:ext cx="0" cy="0"/>
-          <a:chOff x="0" y="0"/>
-          <a:chExt cx="0" cy="0"/>
-        </a:xfrm>
-      </p:grpSpPr>
-      <p:sp>
-        <p:nvSpPr>
-          <p:cNvPr id="2" name="Title 1">
-            <a:extLst>
-              <a:ext uri="{FF2B5EF4-FFF2-40B4-BE49-F238E27FC236}">
-                <a16:creationId xmlns:a16="http://schemas.microsoft.com/office/drawing/2014/main" id="{2D300C4C-534B-4DA3-98FB-DB49B53097DB}"/>
-              </a:ext>
-            </a:extLst>
-          </p:cNvPr>
-          <p:cNvSpPr>
-            <a:spLocks noGrp="1"/>
-          </p:cNvSpPr>
-          <p:nvPr>
-            <p:ph type="title"/>
-          </p:nvPr>
-        </p:nvSpPr>
-        <p:spPr>
-          <a:xfrm>
-            <a:off x="0" y="0"/>
-            <a:ext cx="4254795" cy="1304187"/>
-          </a:xfrm>
-        </p:spPr>
-        <p:txBody>
-          <a:bodyPr>
-            <a:normAutofit/>
-          </a:bodyPr>
-          <a:lstStyle/>
-          <a:p>
-            <a:r>
-              <a:rPr lang="en-US" sz="2000" dirty="0"/>
-              <a:t>Participants who ‘logically’ gambled</a:t>
-            </a:r>
-          </a:p>
-        </p:txBody>
-      </p:sp>
-      <p:pic>
-        <p:nvPicPr>
-          <p:cNvPr id="5" name="Picture 4">
-            <a:extLst>
-              <a:ext uri="{FF2B5EF4-FFF2-40B4-BE49-F238E27FC236}">
-                <a16:creationId xmlns:a16="http://schemas.microsoft.com/office/drawing/2014/main" id="{97145F4E-77DA-41A9-81C4-84B87C20FA82}"/>
-              </a:ext>
-            </a:extLst>
-          </p:cNvPr>
-          <p:cNvPicPr>
-            <a:picLocks noChangeAspect="1"/>
-          </p:cNvPicPr>
-          <p:nvPr/>
-        </p:nvPicPr>
-        <p:blipFill>
-          <a:blip r:embed="rId2"/>
-          <a:stretch>
-            <a:fillRect/>
-          </a:stretch>
-        </p:blipFill>
-        <p:spPr>
-          <a:xfrm>
-            <a:off x="269617" y="1129051"/>
-            <a:ext cx="4100365" cy="2711532"/>
-          </a:xfrm>
-          <a:prstGeom prst="rect">
-            <a:avLst/>
-          </a:prstGeom>
-        </p:spPr>
-      </p:pic>
-      <p:pic>
-        <p:nvPicPr>
-          <p:cNvPr id="6" name="Picture 5">
-            <a:extLst>
-              <a:ext uri="{FF2B5EF4-FFF2-40B4-BE49-F238E27FC236}">
-                <a16:creationId xmlns:a16="http://schemas.microsoft.com/office/drawing/2014/main" id="{327A674E-4447-4094-94DE-8E7557C3EF39}"/>
-              </a:ext>
-            </a:extLst>
-          </p:cNvPr>
-          <p:cNvPicPr>
-            <a:picLocks noChangeAspect="1"/>
-          </p:cNvPicPr>
-          <p:nvPr/>
-        </p:nvPicPr>
-        <p:blipFill>
-          <a:blip r:embed="rId3"/>
-          <a:stretch>
-            <a:fillRect/>
-          </a:stretch>
-        </p:blipFill>
-        <p:spPr>
-          <a:xfrm>
-            <a:off x="132905" y="3563934"/>
-            <a:ext cx="4772248" cy="3155841"/>
-          </a:xfrm>
-          <a:prstGeom prst="rect">
-            <a:avLst/>
-          </a:prstGeom>
-        </p:spPr>
-      </p:pic>
-      <p:pic>
-        <p:nvPicPr>
-          <p:cNvPr id="7" name="Picture 6">
-            <a:extLst>
-              <a:ext uri="{FF2B5EF4-FFF2-40B4-BE49-F238E27FC236}">
-                <a16:creationId xmlns:a16="http://schemas.microsoft.com/office/drawing/2014/main" id="{18F7C043-D313-4F95-94A1-2461AFFE0D11}"/>
-              </a:ext>
-            </a:extLst>
-          </p:cNvPr>
-          <p:cNvPicPr>
-            <a:picLocks noChangeAspect="1"/>
-          </p:cNvPicPr>
-          <p:nvPr/>
-        </p:nvPicPr>
-        <p:blipFill>
-          <a:blip r:embed="rId4"/>
-          <a:stretch>
-            <a:fillRect/>
-          </a:stretch>
-        </p:blipFill>
-        <p:spPr>
-          <a:xfrm>
-            <a:off x="6096000" y="471376"/>
-            <a:ext cx="4472504" cy="2957624"/>
-          </a:xfrm>
-          <a:prstGeom prst="rect">
-            <a:avLst/>
-          </a:prstGeom>
-        </p:spPr>
-      </p:pic>
-      <p:pic>
-        <p:nvPicPr>
-          <p:cNvPr id="8" name="Picture 7">
-            <a:extLst>
-              <a:ext uri="{FF2B5EF4-FFF2-40B4-BE49-F238E27FC236}">
-                <a16:creationId xmlns:a16="http://schemas.microsoft.com/office/drawing/2014/main" id="{E593400B-964D-4904-B40D-0AD67781AD82}"/>
-              </a:ext>
-            </a:extLst>
-          </p:cNvPr>
-          <p:cNvPicPr>
-            <a:picLocks noChangeAspect="1"/>
-          </p:cNvPicPr>
-          <p:nvPr/>
-        </p:nvPicPr>
-        <p:blipFill>
-          <a:blip r:embed="rId5"/>
-          <a:stretch>
-            <a:fillRect/>
-          </a:stretch>
-        </p:blipFill>
-        <p:spPr>
-          <a:xfrm>
-            <a:off x="6096000" y="3574568"/>
-            <a:ext cx="4772248" cy="3155841"/>
-          </a:xfrm>
-          <a:prstGeom prst="rect">
-            <a:avLst/>
-          </a:prstGeom>
-        </p:spPr>
-      </p:pic>
-    </p:spTree>
-    <p:extLst>
-      <p:ext uri="{BB962C8B-B14F-4D97-AF65-F5344CB8AC3E}">
-        <p14:creationId xmlns:p14="http://schemas.microsoft.com/office/powerpoint/2010/main" val="2727506180"/>
+        <p14:creationId xmlns:p14="http://schemas.microsoft.com/office/powerpoint/2010/main" val="2610416115"/>
       </p:ext>
     </p:extLst>
   </p:cSld>
@@ -4541,7 +3823,7 @@
           <a:p>
             <a:r>
               <a:rPr lang="en-US" dirty="0"/>
-              <a:t>Preview is shown. </a:t>
+              <a:t>Preview is NOT shown. </a:t>
             </a:r>
           </a:p>
           <a:p>
@@ -4645,10 +3927,10 @@
       </p:sp>
       <p:pic>
         <p:nvPicPr>
-          <p:cNvPr id="4" name="Picture 3">
-            <a:extLst>
-              <a:ext uri="{FF2B5EF4-FFF2-40B4-BE49-F238E27FC236}">
-                <a16:creationId xmlns:a16="http://schemas.microsoft.com/office/drawing/2014/main" id="{1B0038A0-5818-4402-BC9D-8CDEBE6584D4}"/>
+          <p:cNvPr id="5" name="Picture 4">
+            <a:extLst>
+              <a:ext uri="{FF2B5EF4-FFF2-40B4-BE49-F238E27FC236}">
+                <a16:creationId xmlns:a16="http://schemas.microsoft.com/office/drawing/2014/main" id="{765548BC-71A9-4BDB-98B8-BB9F9FC87025}"/>
               </a:ext>
             </a:extLst>
           </p:cNvPr>
@@ -4665,8 +3947,8 @@
         </p:blipFill>
         <p:spPr>
           <a:xfrm>
-            <a:off x="134122" y="996787"/>
-            <a:ext cx="4254795" cy="2256052"/>
+            <a:off x="6987957" y="652093"/>
+            <a:ext cx="3871429" cy="2542857"/>
           </a:xfrm>
           <a:prstGeom prst="rect">
             <a:avLst/>
@@ -4675,10 +3957,10 @@
       </p:pic>
       <p:pic>
         <p:nvPicPr>
-          <p:cNvPr id="5" name="Picture 4">
-            <a:extLst>
-              <a:ext uri="{FF2B5EF4-FFF2-40B4-BE49-F238E27FC236}">
-                <a16:creationId xmlns:a16="http://schemas.microsoft.com/office/drawing/2014/main" id="{FFBF31CE-716B-4764-A734-1DB47000431D}"/>
+          <p:cNvPr id="6" name="Picture 5">
+            <a:extLst>
+              <a:ext uri="{FF2B5EF4-FFF2-40B4-BE49-F238E27FC236}">
+                <a16:creationId xmlns:a16="http://schemas.microsoft.com/office/drawing/2014/main" id="{305AFA18-B16A-49A3-8751-677611C3CBA8}"/>
               </a:ext>
             </a:extLst>
           </p:cNvPr>
@@ -4695,8 +3977,8 @@
         </p:blipFill>
         <p:spPr>
           <a:xfrm>
-            <a:off x="6408946" y="879677"/>
-            <a:ext cx="4767471" cy="2527892"/>
+            <a:off x="1504702" y="869111"/>
+            <a:ext cx="3507168" cy="2303601"/>
           </a:xfrm>
           <a:prstGeom prst="rect">
             <a:avLst/>
@@ -4705,10 +3987,10 @@
       </p:pic>
       <p:pic>
         <p:nvPicPr>
-          <p:cNvPr id="6" name="Picture 5">
-            <a:extLst>
-              <a:ext uri="{FF2B5EF4-FFF2-40B4-BE49-F238E27FC236}">
-                <a16:creationId xmlns:a16="http://schemas.microsoft.com/office/drawing/2014/main" id="{356AA08E-AA72-4A33-BFE2-F95FEE57C67B}"/>
+          <p:cNvPr id="7" name="Picture 6">
+            <a:extLst>
+              <a:ext uri="{FF2B5EF4-FFF2-40B4-BE49-F238E27FC236}">
+                <a16:creationId xmlns:a16="http://schemas.microsoft.com/office/drawing/2014/main" id="{8001A47B-C608-4D0E-B884-AC266FCA5688}"/>
               </a:ext>
             </a:extLst>
           </p:cNvPr>
@@ -4725,8 +4007,8 @@
         </p:blipFill>
         <p:spPr>
           <a:xfrm>
-            <a:off x="4061635" y="3752321"/>
-            <a:ext cx="4061637" cy="2685921"/>
+            <a:off x="7298073" y="4111825"/>
+            <a:ext cx="3251196" cy="2135472"/>
           </a:xfrm>
           <a:prstGeom prst="rect">
             <a:avLst/>
@@ -4735,10 +4017,10 @@
       </p:pic>
       <p:pic>
         <p:nvPicPr>
-          <p:cNvPr id="7" name="Picture 6">
-            <a:extLst>
-              <a:ext uri="{FF2B5EF4-FFF2-40B4-BE49-F238E27FC236}">
-                <a16:creationId xmlns:a16="http://schemas.microsoft.com/office/drawing/2014/main" id="{60D71C88-787A-4C9F-90C4-6EB69F52025F}"/>
+          <p:cNvPr id="8" name="Picture 7">
+            <a:extLst>
+              <a:ext uri="{FF2B5EF4-FFF2-40B4-BE49-F238E27FC236}">
+                <a16:creationId xmlns:a16="http://schemas.microsoft.com/office/drawing/2014/main" id="{56A35CBA-EE24-453B-A77F-32E0426E5B61}"/>
               </a:ext>
             </a:extLst>
           </p:cNvPr>
@@ -4755,38 +4037,8 @@
         </p:blipFill>
         <p:spPr>
           <a:xfrm>
-            <a:off x="-1" y="3752322"/>
-            <a:ext cx="4061637" cy="2685921"/>
-          </a:xfrm>
-          <a:prstGeom prst="rect">
-            <a:avLst/>
-          </a:prstGeom>
-        </p:spPr>
-      </p:pic>
-      <p:pic>
-        <p:nvPicPr>
-          <p:cNvPr id="8" name="Picture 7">
-            <a:extLst>
-              <a:ext uri="{FF2B5EF4-FFF2-40B4-BE49-F238E27FC236}">
-                <a16:creationId xmlns:a16="http://schemas.microsoft.com/office/drawing/2014/main" id="{68680067-FF5D-4D2B-9C4E-336D2B3A1334}"/>
-              </a:ext>
-            </a:extLst>
-          </p:cNvPr>
-          <p:cNvPicPr>
-            <a:picLocks noChangeAspect="1"/>
-          </p:cNvPicPr>
-          <p:nvPr/>
-        </p:nvPicPr>
-        <p:blipFill>
-          <a:blip r:embed="rId6"/>
-          <a:stretch>
-            <a:fillRect/>
-          </a:stretch>
-        </p:blipFill>
-        <p:spPr>
-          <a:xfrm>
-            <a:off x="8013144" y="3752320"/>
-            <a:ext cx="4061637" cy="2685921"/>
+            <a:off x="882013" y="3053001"/>
+            <a:ext cx="5236929" cy="3439754"/>
           </a:xfrm>
           <a:prstGeom prst="rect">
             <a:avLst/>
@@ -4842,7 +4094,7 @@
         <p:spPr>
           <a:xfrm>
             <a:off x="0" y="0"/>
-            <a:ext cx="4254795" cy="1304187"/>
+            <a:ext cx="3476847" cy="1080903"/>
           </a:xfrm>
         </p:spPr>
         <p:txBody>
@@ -4860,10 +4112,10 @@
       </p:sp>
       <p:pic>
         <p:nvPicPr>
-          <p:cNvPr id="4" name="Picture 3">
-            <a:extLst>
-              <a:ext uri="{FF2B5EF4-FFF2-40B4-BE49-F238E27FC236}">
-                <a16:creationId xmlns:a16="http://schemas.microsoft.com/office/drawing/2014/main" id="{2CDA9F5A-2587-4748-AD12-B59E2EB1D350}"/>
+          <p:cNvPr id="3" name="Picture 2">
+            <a:extLst>
+              <a:ext uri="{FF2B5EF4-FFF2-40B4-BE49-F238E27FC236}">
+                <a16:creationId xmlns:a16="http://schemas.microsoft.com/office/drawing/2014/main" id="{09A6FBBC-BDEA-4678-AD94-8FF37C9EECC2}"/>
               </a:ext>
             </a:extLst>
           </p:cNvPr>
@@ -4880,8 +4132,8 @@
         </p:blipFill>
         <p:spPr>
           <a:xfrm>
-            <a:off x="946962" y="1088394"/>
-            <a:ext cx="5149038" cy="5005611"/>
+            <a:off x="216976" y="988828"/>
+            <a:ext cx="6177757" cy="5661199"/>
           </a:xfrm>
           <a:prstGeom prst="rect">
             <a:avLst/>
@@ -4893,7 +4145,7 @@
           <p:cNvPr id="5" name="Picture 4">
             <a:extLst>
               <a:ext uri="{FF2B5EF4-FFF2-40B4-BE49-F238E27FC236}">
-                <a16:creationId xmlns:a16="http://schemas.microsoft.com/office/drawing/2014/main" id="{0199902E-294E-4945-A243-B86D534DB284}"/>
+                <a16:creationId xmlns:a16="http://schemas.microsoft.com/office/drawing/2014/main" id="{7C1C90FE-996B-4BFE-AD3E-616352514316}"/>
               </a:ext>
             </a:extLst>
           </p:cNvPr>
@@ -4910,8 +4162,38 @@
         </p:blipFill>
         <p:spPr>
           <a:xfrm>
-            <a:off x="7042962" y="2119418"/>
-            <a:ext cx="4451239" cy="2943561"/>
+            <a:off x="6654239" y="882502"/>
+            <a:ext cx="4254795" cy="2649424"/>
+          </a:xfrm>
+          <a:prstGeom prst="rect">
+            <a:avLst/>
+          </a:prstGeom>
+        </p:spPr>
+      </p:pic>
+      <p:pic>
+        <p:nvPicPr>
+          <p:cNvPr id="7" name="Picture 6">
+            <a:extLst>
+              <a:ext uri="{FF2B5EF4-FFF2-40B4-BE49-F238E27FC236}">
+                <a16:creationId xmlns:a16="http://schemas.microsoft.com/office/drawing/2014/main" id="{833A6FA9-8E19-4DE7-915A-C1892912DB39}"/>
+              </a:ext>
+            </a:extLst>
+          </p:cNvPr>
+          <p:cNvPicPr>
+            <a:picLocks noChangeAspect="1"/>
+          </p:cNvPicPr>
+          <p:nvPr/>
+        </p:nvPicPr>
+        <p:blipFill>
+          <a:blip r:embed="rId4"/>
+          <a:stretch>
+            <a:fillRect/>
+          </a:stretch>
+        </p:blipFill>
+        <p:spPr>
+          <a:xfrm>
+            <a:off x="6816875" y="3910223"/>
+            <a:ext cx="3929522" cy="2446879"/>
           </a:xfrm>
           <a:prstGeom prst="rect">
             <a:avLst/>
@@ -4988,7 +4270,7 @@
           <p:cNvPr id="3" name="Picture 2">
             <a:extLst>
               <a:ext uri="{FF2B5EF4-FFF2-40B4-BE49-F238E27FC236}">
-                <a16:creationId xmlns:a16="http://schemas.microsoft.com/office/drawing/2014/main" id="{2F07949E-E301-4D9F-8119-DA1B9F8808E7}"/>
+                <a16:creationId xmlns:a16="http://schemas.microsoft.com/office/drawing/2014/main" id="{02DA357A-F4AF-4933-94FD-9BCF8CBA66C5}"/>
               </a:ext>
             </a:extLst>
           </p:cNvPr>
@@ -5005,8 +4287,8 @@
         </p:blipFill>
         <p:spPr>
           <a:xfrm>
-            <a:off x="944155" y="464431"/>
-            <a:ext cx="4419343" cy="2922469"/>
+            <a:off x="1023094" y="586651"/>
+            <a:ext cx="4952406" cy="3252872"/>
           </a:xfrm>
           <a:prstGeom prst="rect">
             <a:avLst/>
@@ -5018,7 +4300,7 @@
           <p:cNvPr id="5" name="Picture 4">
             <a:extLst>
               <a:ext uri="{FF2B5EF4-FFF2-40B4-BE49-F238E27FC236}">
-                <a16:creationId xmlns:a16="http://schemas.microsoft.com/office/drawing/2014/main" id="{A8C368FD-9F81-4DBB-B791-4D50862FB441}"/>
+                <a16:creationId xmlns:a16="http://schemas.microsoft.com/office/drawing/2014/main" id="{1EEFEF04-1B3B-4533-9626-2866ACA08E09}"/>
               </a:ext>
             </a:extLst>
           </p:cNvPr>
@@ -5035,8 +4317,8 @@
         </p:blipFill>
         <p:spPr>
           <a:xfrm>
-            <a:off x="817451" y="3667975"/>
-            <a:ext cx="4121630" cy="2725594"/>
+            <a:off x="1023094" y="3834233"/>
+            <a:ext cx="4603600" cy="3023767"/>
           </a:xfrm>
           <a:prstGeom prst="rect">
             <a:avLst/>
@@ -5048,7 +4330,7 @@
           <p:cNvPr id="6" name="Picture 5">
             <a:extLst>
               <a:ext uri="{FF2B5EF4-FFF2-40B4-BE49-F238E27FC236}">
-                <a16:creationId xmlns:a16="http://schemas.microsoft.com/office/drawing/2014/main" id="{3C14BA80-2951-4239-BBBD-0705AEF828AB}"/>
+                <a16:creationId xmlns:a16="http://schemas.microsoft.com/office/drawing/2014/main" id="{E6256A1D-3344-4114-84E9-6FB47B9C9B15}"/>
               </a:ext>
             </a:extLst>
           </p:cNvPr>
@@ -5065,38 +4347,8 @@
         </p:blipFill>
         <p:spPr>
           <a:xfrm>
-            <a:off x="5787915" y="3293479"/>
-            <a:ext cx="5173994" cy="3421512"/>
-          </a:xfrm>
-          <a:prstGeom prst="rect">
-            <a:avLst/>
-          </a:prstGeom>
-        </p:spPr>
-      </p:pic>
-      <p:pic>
-        <p:nvPicPr>
-          <p:cNvPr id="7" name="Picture 6">
-            <a:extLst>
-              <a:ext uri="{FF2B5EF4-FFF2-40B4-BE49-F238E27FC236}">
-                <a16:creationId xmlns:a16="http://schemas.microsoft.com/office/drawing/2014/main" id="{313491D5-D2EB-48A5-832B-BC69C6A47527}"/>
-              </a:ext>
-            </a:extLst>
-          </p:cNvPr>
-          <p:cNvPicPr>
-            <a:picLocks noChangeAspect="1"/>
-          </p:cNvPicPr>
-          <p:nvPr/>
-        </p:nvPicPr>
-        <p:blipFill>
-          <a:blip r:embed="rId5"/>
-          <a:stretch>
-            <a:fillRect/>
-          </a:stretch>
-        </p:blipFill>
-        <p:spPr>
-          <a:xfrm>
-            <a:off x="6098852" y="283207"/>
-            <a:ext cx="4552119" cy="3010272"/>
+            <a:off x="6733587" y="753422"/>
+            <a:ext cx="4435319" cy="2761834"/>
           </a:xfrm>
           <a:prstGeom prst="rect">
             <a:avLst/>
@@ -5135,10 +4387,10 @@
       </p:grpSpPr>
       <p:sp>
         <p:nvSpPr>
-          <p:cNvPr id="2" name="Title 1">
-            <a:extLst>
-              <a:ext uri="{FF2B5EF4-FFF2-40B4-BE49-F238E27FC236}">
-                <a16:creationId xmlns:a16="http://schemas.microsoft.com/office/drawing/2014/main" id="{2D300C4C-534B-4DA3-98FB-DB49B53097DB}"/>
+          <p:cNvPr id="4" name="Title 1">
+            <a:extLst>
+              <a:ext uri="{FF2B5EF4-FFF2-40B4-BE49-F238E27FC236}">
+                <a16:creationId xmlns:a16="http://schemas.microsoft.com/office/drawing/2014/main" id="{7D0B19B5-1CFE-46DC-B91E-C59E99EDF853}"/>
               </a:ext>
             </a:extLst>
           </p:cNvPr>
@@ -5152,19 +4404,24 @@
         <p:spPr>
           <a:xfrm>
             <a:off x="0" y="0"/>
-            <a:ext cx="4254795" cy="1304187"/>
+            <a:ext cx="3710763" cy="637953"/>
           </a:xfrm>
         </p:spPr>
         <p:txBody>
           <a:bodyPr>
-            <a:normAutofit/>
+            <a:normAutofit fontScale="90000"/>
           </a:bodyPr>
           <a:lstStyle/>
           <a:p>
             <a:r>
               <a:rPr lang="en-US" sz="2000" dirty="0"/>
-              <a:t>Low mag</a:t>
-            </a:r>
+              <a:t>Value/mag comparison summary - </a:t>
+            </a:r>
+            <a:r>
+              <a:rPr lang="en-US" sz="2000" dirty="0" err="1"/>
+              <a:t>GambleDelay</a:t>
+            </a:r>
+            <a:endParaRPr lang="en-US" sz="2000" dirty="0"/>
           </a:p>
         </p:txBody>
       </p:sp>
@@ -5173,7 +4430,7 @@
           <p:cNvPr id="3" name="Picture 2">
             <a:extLst>
               <a:ext uri="{FF2B5EF4-FFF2-40B4-BE49-F238E27FC236}">
-                <a16:creationId xmlns:a16="http://schemas.microsoft.com/office/drawing/2014/main" id="{37CB8A76-08F7-4CF4-A5D0-A88DAFA0D0F4}"/>
+                <a16:creationId xmlns:a16="http://schemas.microsoft.com/office/drawing/2014/main" id="{509C0323-D1F8-4342-8296-41BFDEF49199}"/>
               </a:ext>
             </a:extLst>
           </p:cNvPr>
@@ -5190,8 +4447,8 @@
         </p:blipFill>
         <p:spPr>
           <a:xfrm>
-            <a:off x="920602" y="652093"/>
-            <a:ext cx="4254795" cy="2813655"/>
+            <a:off x="7686337" y="237372"/>
+            <a:ext cx="4057323" cy="2077068"/>
           </a:xfrm>
           <a:prstGeom prst="rect">
             <a:avLst/>
@@ -5200,10 +4457,10 @@
       </p:pic>
       <p:pic>
         <p:nvPicPr>
-          <p:cNvPr id="4" name="Picture 3">
-            <a:extLst>
-              <a:ext uri="{FF2B5EF4-FFF2-40B4-BE49-F238E27FC236}">
-                <a16:creationId xmlns:a16="http://schemas.microsoft.com/office/drawing/2014/main" id="{8586BD08-57C8-4C56-850B-706411DC2AE4}"/>
+          <p:cNvPr id="5" name="Picture 4">
+            <a:extLst>
+              <a:ext uri="{FF2B5EF4-FFF2-40B4-BE49-F238E27FC236}">
+                <a16:creationId xmlns:a16="http://schemas.microsoft.com/office/drawing/2014/main" id="{46AED09D-A523-4FE5-9B9D-CF0045B9ACD4}"/>
               </a:ext>
             </a:extLst>
           </p:cNvPr>
@@ -5220,8 +4477,8 @@
         </p:blipFill>
         <p:spPr>
           <a:xfrm>
-            <a:off x="5490556" y="342419"/>
-            <a:ext cx="6701444" cy="4431600"/>
+            <a:off x="7548114" y="2420736"/>
+            <a:ext cx="4195546" cy="2147828"/>
           </a:xfrm>
           <a:prstGeom prst="rect">
             <a:avLst/>
@@ -5230,10 +4487,10 @@
       </p:pic>
       <p:pic>
         <p:nvPicPr>
-          <p:cNvPr id="5" name="Picture 4">
-            <a:extLst>
-              <a:ext uri="{FF2B5EF4-FFF2-40B4-BE49-F238E27FC236}">
-                <a16:creationId xmlns:a16="http://schemas.microsoft.com/office/drawing/2014/main" id="{2EA7ECF7-88C5-49DC-B85A-6730C2B741EF}"/>
+          <p:cNvPr id="6" name="Picture 5">
+            <a:extLst>
+              <a:ext uri="{FF2B5EF4-FFF2-40B4-BE49-F238E27FC236}">
+                <a16:creationId xmlns:a16="http://schemas.microsoft.com/office/drawing/2014/main" id="{68163FD5-2E2E-474F-B323-D8317D4B7B06}"/>
               </a:ext>
             </a:extLst>
           </p:cNvPr>
@@ -5250,8 +4507,98 @@
         </p:blipFill>
         <p:spPr>
           <a:xfrm>
-            <a:off x="628465" y="3776730"/>
-            <a:ext cx="4546932" cy="3006842"/>
+            <a:off x="7707602" y="4568564"/>
+            <a:ext cx="4036058" cy="2066181"/>
+          </a:xfrm>
+          <a:prstGeom prst="rect">
+            <a:avLst/>
+          </a:prstGeom>
+        </p:spPr>
+      </p:pic>
+      <p:pic>
+        <p:nvPicPr>
+          <p:cNvPr id="11" name="Picture 10">
+            <a:extLst>
+              <a:ext uri="{FF2B5EF4-FFF2-40B4-BE49-F238E27FC236}">
+                <a16:creationId xmlns:a16="http://schemas.microsoft.com/office/drawing/2014/main" id="{C2042CD3-F3B0-413A-9D49-113523556073}"/>
+              </a:ext>
+            </a:extLst>
+          </p:cNvPr>
+          <p:cNvPicPr>
+            <a:picLocks noChangeAspect="1"/>
+          </p:cNvPicPr>
+          <p:nvPr/>
+        </p:nvPicPr>
+        <p:blipFill>
+          <a:blip r:embed="rId5"/>
+          <a:stretch>
+            <a:fillRect/>
+          </a:stretch>
+        </p:blipFill>
+        <p:spPr>
+          <a:xfrm>
+            <a:off x="544033" y="767717"/>
+            <a:ext cx="3804683" cy="1947734"/>
+          </a:xfrm>
+          <a:prstGeom prst="rect">
+            <a:avLst/>
+          </a:prstGeom>
+        </p:spPr>
+      </p:pic>
+      <p:pic>
+        <p:nvPicPr>
+          <p:cNvPr id="14" name="Picture 13">
+            <a:extLst>
+              <a:ext uri="{FF2B5EF4-FFF2-40B4-BE49-F238E27FC236}">
+                <a16:creationId xmlns:a16="http://schemas.microsoft.com/office/drawing/2014/main" id="{6E265E7E-BA5A-489D-BB42-76B0F876B797}"/>
+              </a:ext>
+            </a:extLst>
+          </p:cNvPr>
+          <p:cNvPicPr>
+            <a:picLocks noChangeAspect="1"/>
+          </p:cNvPicPr>
+          <p:nvPr/>
+        </p:nvPicPr>
+        <p:blipFill>
+          <a:blip r:embed="rId6"/>
+          <a:stretch>
+            <a:fillRect/>
+          </a:stretch>
+        </p:blipFill>
+        <p:spPr>
+          <a:xfrm>
+            <a:off x="448340" y="2778440"/>
+            <a:ext cx="4036058" cy="2066182"/>
+          </a:xfrm>
+          <a:prstGeom prst="rect">
+            <a:avLst/>
+          </a:prstGeom>
+        </p:spPr>
+      </p:pic>
+      <p:pic>
+        <p:nvPicPr>
+          <p:cNvPr id="15" name="Picture 14">
+            <a:extLst>
+              <a:ext uri="{FF2B5EF4-FFF2-40B4-BE49-F238E27FC236}">
+                <a16:creationId xmlns:a16="http://schemas.microsoft.com/office/drawing/2014/main" id="{6787B038-8750-45AF-998C-BF39569CDFF6}"/>
+              </a:ext>
+            </a:extLst>
+          </p:cNvPr>
+          <p:cNvPicPr>
+            <a:picLocks noChangeAspect="1"/>
+          </p:cNvPicPr>
+          <p:nvPr/>
+        </p:nvPicPr>
+        <p:blipFill>
+          <a:blip r:embed="rId7"/>
+          <a:stretch>
+            <a:fillRect/>
+          </a:stretch>
+        </p:blipFill>
+        <p:spPr>
+          <a:xfrm>
+            <a:off x="187074" y="4568564"/>
+            <a:ext cx="4390476" cy="2247619"/>
           </a:xfrm>
           <a:prstGeom prst="rect">
             <a:avLst/>
@@ -5261,7 +4608,7 @@
     </p:spTree>
     <p:extLst>
       <p:ext uri="{BB962C8B-B14F-4D97-AF65-F5344CB8AC3E}">
-        <p14:creationId xmlns:p14="http://schemas.microsoft.com/office/powerpoint/2010/main" val="3390610511"/>
+        <p14:creationId xmlns:p14="http://schemas.microsoft.com/office/powerpoint/2010/main" val="1349185278"/>
       </p:ext>
     </p:extLst>
   </p:cSld>
@@ -5290,10 +4637,10 @@
       </p:grpSpPr>
       <p:sp>
         <p:nvSpPr>
-          <p:cNvPr id="2" name="Title 1">
-            <a:extLst>
-              <a:ext uri="{FF2B5EF4-FFF2-40B4-BE49-F238E27FC236}">
-                <a16:creationId xmlns:a16="http://schemas.microsoft.com/office/drawing/2014/main" id="{2D300C4C-534B-4DA3-98FB-DB49B53097DB}"/>
+          <p:cNvPr id="4" name="Title 1">
+            <a:extLst>
+              <a:ext uri="{FF2B5EF4-FFF2-40B4-BE49-F238E27FC236}">
+                <a16:creationId xmlns:a16="http://schemas.microsoft.com/office/drawing/2014/main" id="{7D0B19B5-1CFE-46DC-B91E-C59E99EDF853}"/>
               </a:ext>
             </a:extLst>
           </p:cNvPr>
@@ -5307,18 +4654,18 @@
         <p:spPr>
           <a:xfrm>
             <a:off x="0" y="0"/>
-            <a:ext cx="4254795" cy="1304187"/>
+            <a:ext cx="3710763" cy="637953"/>
           </a:xfrm>
         </p:spPr>
         <p:txBody>
           <a:bodyPr>
-            <a:normAutofit/>
+            <a:normAutofit fontScale="90000"/>
           </a:bodyPr>
           <a:lstStyle/>
           <a:p>
             <a:r>
               <a:rPr lang="en-US" sz="2000" dirty="0"/>
-              <a:t>Mid mag</a:t>
+              <a:t>Value/mag comparison summary - RT</a:t>
             </a:r>
           </a:p>
         </p:txBody>
@@ -5328,7 +4675,7 @@
           <p:cNvPr id="3" name="Picture 2">
             <a:extLst>
               <a:ext uri="{FF2B5EF4-FFF2-40B4-BE49-F238E27FC236}">
-                <a16:creationId xmlns:a16="http://schemas.microsoft.com/office/drawing/2014/main" id="{B895B6EE-046C-49C1-95F5-0C6D380CA105}"/>
+                <a16:creationId xmlns:a16="http://schemas.microsoft.com/office/drawing/2014/main" id="{2EA1ADAA-4EF4-4E62-88DB-E1683134CB05}"/>
               </a:ext>
             </a:extLst>
           </p:cNvPr>
@@ -5345,8 +4692,8 @@
         </p:blipFill>
         <p:spPr>
           <a:xfrm>
-            <a:off x="416700" y="890905"/>
-            <a:ext cx="3838095" cy="2538095"/>
+            <a:off x="7176977" y="442785"/>
+            <a:ext cx="3982895" cy="2038966"/>
           </a:xfrm>
           <a:prstGeom prst="rect">
             <a:avLst/>
@@ -5355,10 +4702,10 @@
       </p:pic>
       <p:pic>
         <p:nvPicPr>
-          <p:cNvPr id="4" name="Picture 3">
-            <a:extLst>
-              <a:ext uri="{FF2B5EF4-FFF2-40B4-BE49-F238E27FC236}">
-                <a16:creationId xmlns:a16="http://schemas.microsoft.com/office/drawing/2014/main" id="{D04A155B-911A-4ECE-8FEF-49A82FCE9C45}"/>
+          <p:cNvPr id="5" name="Picture 4">
+            <a:extLst>
+              <a:ext uri="{FF2B5EF4-FFF2-40B4-BE49-F238E27FC236}">
+                <a16:creationId xmlns:a16="http://schemas.microsoft.com/office/drawing/2014/main" id="{941AFA91-955B-40E2-AAA0-DA75ABC130CB}"/>
               </a:ext>
             </a:extLst>
           </p:cNvPr>
@@ -5375,8 +4722,8 @@
         </p:blipFill>
         <p:spPr>
           <a:xfrm>
-            <a:off x="5025222" y="148647"/>
-            <a:ext cx="6776917" cy="4481510"/>
+            <a:off x="7176977" y="2807811"/>
+            <a:ext cx="3982895" cy="2038966"/>
           </a:xfrm>
           <a:prstGeom prst="rect">
             <a:avLst/>
@@ -5385,10 +4732,10 @@
       </p:pic>
       <p:pic>
         <p:nvPicPr>
-          <p:cNvPr id="5" name="Picture 4">
-            <a:extLst>
-              <a:ext uri="{FF2B5EF4-FFF2-40B4-BE49-F238E27FC236}">
-                <a16:creationId xmlns:a16="http://schemas.microsoft.com/office/drawing/2014/main" id="{2B6602B8-30B5-41B5-8282-AAA2D2F0B98A}"/>
+          <p:cNvPr id="7" name="Picture 6">
+            <a:extLst>
+              <a:ext uri="{FF2B5EF4-FFF2-40B4-BE49-F238E27FC236}">
+                <a16:creationId xmlns:a16="http://schemas.microsoft.com/office/drawing/2014/main" id="{08798E24-8845-4F6C-84B5-C9780CB7FD1A}"/>
               </a:ext>
             </a:extLst>
           </p:cNvPr>
@@ -5405,8 +4752,98 @@
         </p:blipFill>
         <p:spPr>
           <a:xfrm>
-            <a:off x="120760" y="3474617"/>
-            <a:ext cx="5060061" cy="3346169"/>
+            <a:off x="7176976" y="4702076"/>
+            <a:ext cx="3982895" cy="2038966"/>
+          </a:xfrm>
+          <a:prstGeom prst="rect">
+            <a:avLst/>
+          </a:prstGeom>
+        </p:spPr>
+      </p:pic>
+      <p:pic>
+        <p:nvPicPr>
+          <p:cNvPr id="13" name="Picture 12">
+            <a:extLst>
+              <a:ext uri="{FF2B5EF4-FFF2-40B4-BE49-F238E27FC236}">
+                <a16:creationId xmlns:a16="http://schemas.microsoft.com/office/drawing/2014/main" id="{9EF75D1D-9503-47E0-88C9-DFFEBFBBBC88}"/>
+              </a:ext>
+            </a:extLst>
+          </p:cNvPr>
+          <p:cNvPicPr>
+            <a:picLocks noChangeAspect="1"/>
+          </p:cNvPicPr>
+          <p:nvPr/>
+        </p:nvPicPr>
+        <p:blipFill>
+          <a:blip r:embed="rId5"/>
+          <a:stretch>
+            <a:fillRect/>
+          </a:stretch>
+        </p:blipFill>
+        <p:spPr>
+          <a:xfrm>
+            <a:off x="433545" y="524092"/>
+            <a:ext cx="3982896" cy="2038966"/>
+          </a:xfrm>
+          <a:prstGeom prst="rect">
+            <a:avLst/>
+          </a:prstGeom>
+        </p:spPr>
+      </p:pic>
+      <p:pic>
+        <p:nvPicPr>
+          <p:cNvPr id="14" name="Picture 13">
+            <a:extLst>
+              <a:ext uri="{FF2B5EF4-FFF2-40B4-BE49-F238E27FC236}">
+                <a16:creationId xmlns:a16="http://schemas.microsoft.com/office/drawing/2014/main" id="{BE7A649D-E73B-429C-B8CF-22A16878846B}"/>
+              </a:ext>
+            </a:extLst>
+          </p:cNvPr>
+          <p:cNvPicPr>
+            <a:picLocks noChangeAspect="1"/>
+          </p:cNvPicPr>
+          <p:nvPr/>
+        </p:nvPicPr>
+        <p:blipFill>
+          <a:blip r:embed="rId6"/>
+          <a:stretch>
+            <a:fillRect/>
+          </a:stretch>
+        </p:blipFill>
+        <p:spPr>
+          <a:xfrm>
+            <a:off x="177209" y="2561815"/>
+            <a:ext cx="4153786" cy="2126450"/>
+          </a:xfrm>
+          <a:prstGeom prst="rect">
+            <a:avLst/>
+          </a:prstGeom>
+        </p:spPr>
+      </p:pic>
+      <p:pic>
+        <p:nvPicPr>
+          <p:cNvPr id="15" name="Picture 14">
+            <a:extLst>
+              <a:ext uri="{FF2B5EF4-FFF2-40B4-BE49-F238E27FC236}">
+                <a16:creationId xmlns:a16="http://schemas.microsoft.com/office/drawing/2014/main" id="{B4905584-C17A-49A3-A62A-24C1DD980083}"/>
+              </a:ext>
+            </a:extLst>
+          </p:cNvPr>
+          <p:cNvPicPr>
+            <a:picLocks noChangeAspect="1"/>
+          </p:cNvPicPr>
+          <p:nvPr/>
+        </p:nvPicPr>
+        <p:blipFill>
+          <a:blip r:embed="rId7"/>
+          <a:stretch>
+            <a:fillRect/>
+          </a:stretch>
+        </p:blipFill>
+        <p:spPr>
+          <a:xfrm>
+            <a:off x="379997" y="4819034"/>
+            <a:ext cx="3982895" cy="2038966"/>
           </a:xfrm>
           <a:prstGeom prst="rect">
             <a:avLst/>
@@ -5416,7 +4853,7 @@
     </p:spTree>
     <p:extLst>
       <p:ext uri="{BB962C8B-B14F-4D97-AF65-F5344CB8AC3E}">
-        <p14:creationId xmlns:p14="http://schemas.microsoft.com/office/powerpoint/2010/main" val="2128879719"/>
+        <p14:creationId xmlns:p14="http://schemas.microsoft.com/office/powerpoint/2010/main" val="2074709691"/>
       </p:ext>
     </p:extLst>
   </p:cSld>
@@ -5473,17 +4910,33 @@
           <a:p>
             <a:r>
               <a:rPr lang="en-US" sz="2000" dirty="0"/>
-              <a:t>High mag</a:t>
+              <a:t>Subgroup analysis – One person who demonstrated sig. </a:t>
+            </a:r>
+            <a:r>
+              <a:rPr lang="en-US" sz="2000" dirty="0" err="1"/>
+              <a:t>gambleRamp</a:t>
+            </a:r>
+            <a:r>
+              <a:rPr lang="en-US" sz="2000" dirty="0"/>
+              <a:t> – 1 catch trial failed – </a:t>
+            </a:r>
+            <a:r>
+              <a:rPr lang="en-US" sz="2000" dirty="0" err="1"/>
+              <a:t>oddsScore</a:t>
+            </a:r>
+            <a:r>
+              <a:rPr lang="en-US" sz="2000" dirty="0"/>
+              <a:t>: 15 (not very high)</a:t>
             </a:r>
           </a:p>
         </p:txBody>
       </p:sp>
       <p:pic>
         <p:nvPicPr>
-          <p:cNvPr id="3" name="Picture 2">
-            <a:extLst>
-              <a:ext uri="{FF2B5EF4-FFF2-40B4-BE49-F238E27FC236}">
-                <a16:creationId xmlns:a16="http://schemas.microsoft.com/office/drawing/2014/main" id="{9A6C81A9-DB30-46FA-919A-93EBA3DF9FFD}"/>
+          <p:cNvPr id="6" name="Picture 5">
+            <a:extLst>
+              <a:ext uri="{FF2B5EF4-FFF2-40B4-BE49-F238E27FC236}">
+                <a16:creationId xmlns:a16="http://schemas.microsoft.com/office/drawing/2014/main" id="{93EB1B49-172B-437F-B053-D59ED4EE2606}"/>
               </a:ext>
             </a:extLst>
           </p:cNvPr>
@@ -5500,8 +4953,8 @@
         </p:blipFill>
         <p:spPr>
           <a:xfrm>
-            <a:off x="282021" y="827910"/>
-            <a:ext cx="4121630" cy="2725594"/>
+            <a:off x="6356728" y="914657"/>
+            <a:ext cx="4488482" cy="2794938"/>
           </a:xfrm>
           <a:prstGeom prst="rect">
             <a:avLst/>
@@ -5510,10 +4963,10 @@
       </p:pic>
       <p:pic>
         <p:nvPicPr>
-          <p:cNvPr id="4" name="Picture 3">
-            <a:extLst>
-              <a:ext uri="{FF2B5EF4-FFF2-40B4-BE49-F238E27FC236}">
-                <a16:creationId xmlns:a16="http://schemas.microsoft.com/office/drawing/2014/main" id="{427C0518-07F7-40C2-8845-CB68669B3176}"/>
+          <p:cNvPr id="7" name="Picture 6">
+            <a:extLst>
+              <a:ext uri="{FF2B5EF4-FFF2-40B4-BE49-F238E27FC236}">
+                <a16:creationId xmlns:a16="http://schemas.microsoft.com/office/drawing/2014/main" id="{52883388-D743-4419-B925-C86616705906}"/>
               </a:ext>
             </a:extLst>
           </p:cNvPr>
@@ -5530,8 +4983,8 @@
         </p:blipFill>
         <p:spPr>
           <a:xfrm>
-            <a:off x="5113093" y="119237"/>
-            <a:ext cx="6796886" cy="4494714"/>
+            <a:off x="774634" y="1186109"/>
+            <a:ext cx="4052547" cy="2523486"/>
           </a:xfrm>
           <a:prstGeom prst="rect">
             <a:avLst/>
@@ -5540,10 +4993,10 @@
       </p:pic>
       <p:pic>
         <p:nvPicPr>
-          <p:cNvPr id="5" name="Picture 4">
-            <a:extLst>
-              <a:ext uri="{FF2B5EF4-FFF2-40B4-BE49-F238E27FC236}">
-                <a16:creationId xmlns:a16="http://schemas.microsoft.com/office/drawing/2014/main" id="{074BF8B7-AE4D-4448-9631-719C17188E69}"/>
+          <p:cNvPr id="8" name="Picture 7">
+            <a:extLst>
+              <a:ext uri="{FF2B5EF4-FFF2-40B4-BE49-F238E27FC236}">
+                <a16:creationId xmlns:a16="http://schemas.microsoft.com/office/drawing/2014/main" id="{ABE7D0B0-C61C-4707-85A1-B8762340F580}"/>
               </a:ext>
             </a:extLst>
           </p:cNvPr>
@@ -5560,8 +5013,8 @@
         </p:blipFill>
         <p:spPr>
           <a:xfrm>
-            <a:off x="122532" y="3429000"/>
-            <a:ext cx="5227416" cy="3456840"/>
+            <a:off x="7160486" y="3971173"/>
+            <a:ext cx="3780416" cy="2354032"/>
           </a:xfrm>
           <a:prstGeom prst="rect">
             <a:avLst/>
@@ -5571,7 +5024,7 @@
     </p:spTree>
     <p:extLst>
       <p:ext uri="{BB962C8B-B14F-4D97-AF65-F5344CB8AC3E}">
-        <p14:creationId xmlns:p14="http://schemas.microsoft.com/office/powerpoint/2010/main" val="1059245042"/>
+        <p14:creationId xmlns:p14="http://schemas.microsoft.com/office/powerpoint/2010/main" val="765629963"/>
       </p:ext>
     </p:extLst>
   </p:cSld>
@@ -5628,7 +5081,14 @@
           <a:p>
             <a:r>
               <a:rPr lang="en-US" sz="2000" dirty="0"/>
-              <a:t>Low value</a:t>
+              <a:t>Subgroup analysis – people who demonstrated negative RT ramp;</a:t>
+            </a:r>
+            <a:br>
+              <a:rPr lang="en-US" sz="2000" dirty="0"/>
+            </a:br>
+            <a:r>
+              <a:rPr lang="en-US" sz="2000" dirty="0"/>
+              <a:t>n=5</a:t>
             </a:r>
           </a:p>
         </p:txBody>
@@ -5638,7 +5098,7 @@
           <p:cNvPr id="3" name="Picture 2">
             <a:extLst>
               <a:ext uri="{FF2B5EF4-FFF2-40B4-BE49-F238E27FC236}">
-                <a16:creationId xmlns:a16="http://schemas.microsoft.com/office/drawing/2014/main" id="{9FD6FEC9-4B58-4BB2-8C18-B6717C73C757}"/>
+                <a16:creationId xmlns:a16="http://schemas.microsoft.com/office/drawing/2014/main" id="{83A0F510-264D-4094-A034-E78B83512097}"/>
               </a:ext>
             </a:extLst>
           </p:cNvPr>
@@ -5655,8 +5115,8 @@
         </p:blipFill>
         <p:spPr>
           <a:xfrm>
-            <a:off x="273621" y="852259"/>
-            <a:ext cx="3896532" cy="2576739"/>
+            <a:off x="6888355" y="815941"/>
+            <a:ext cx="4254795" cy="2649424"/>
           </a:xfrm>
           <a:prstGeom prst="rect">
             <a:avLst/>
@@ -5665,10 +5125,10 @@
       </p:pic>
       <p:pic>
         <p:nvPicPr>
-          <p:cNvPr id="4" name="Picture 3">
-            <a:extLst>
-              <a:ext uri="{FF2B5EF4-FFF2-40B4-BE49-F238E27FC236}">
-                <a16:creationId xmlns:a16="http://schemas.microsoft.com/office/drawing/2014/main" id="{B114ED4F-095B-4DD5-B518-42ADE24D6269}"/>
+          <p:cNvPr id="8" name="Picture 7">
+            <a:extLst>
+              <a:ext uri="{FF2B5EF4-FFF2-40B4-BE49-F238E27FC236}">
+                <a16:creationId xmlns:a16="http://schemas.microsoft.com/office/drawing/2014/main" id="{62665817-617E-4F08-9C30-49FEFDA1A930}"/>
               </a:ext>
             </a:extLst>
           </p:cNvPr>
@@ -5685,8 +5145,8 @@
         </p:blipFill>
         <p:spPr>
           <a:xfrm>
-            <a:off x="5549140" y="646775"/>
-            <a:ext cx="5782959" cy="3824214"/>
+            <a:off x="966020" y="1052094"/>
+            <a:ext cx="4148240" cy="2583073"/>
           </a:xfrm>
           <a:prstGeom prst="rect">
             <a:avLst/>
@@ -5695,10 +5155,10 @@
       </p:pic>
       <p:pic>
         <p:nvPicPr>
-          <p:cNvPr id="5" name="Picture 4">
-            <a:extLst>
-              <a:ext uri="{FF2B5EF4-FFF2-40B4-BE49-F238E27FC236}">
-                <a16:creationId xmlns:a16="http://schemas.microsoft.com/office/drawing/2014/main" id="{75488475-D731-4A50-92FC-6C5794DC15CD}"/>
+          <p:cNvPr id="9" name="Picture 8">
+            <a:extLst>
+              <a:ext uri="{FF2B5EF4-FFF2-40B4-BE49-F238E27FC236}">
+                <a16:creationId xmlns:a16="http://schemas.microsoft.com/office/drawing/2014/main" id="{93D19363-BE1B-4B08-A2B5-F058741562AB}"/>
               </a:ext>
             </a:extLst>
           </p:cNvPr>
@@ -5715,8 +5175,38 @@
         </p:blipFill>
         <p:spPr>
           <a:xfrm>
-            <a:off x="273621" y="3565354"/>
-            <a:ext cx="4580533" cy="3029062"/>
+            <a:off x="742736" y="3909697"/>
+            <a:ext cx="4254795" cy="2649424"/>
+          </a:xfrm>
+          <a:prstGeom prst="rect">
+            <a:avLst/>
+          </a:prstGeom>
+        </p:spPr>
+      </p:pic>
+      <p:pic>
+        <p:nvPicPr>
+          <p:cNvPr id="10" name="Picture 9">
+            <a:extLst>
+              <a:ext uri="{FF2B5EF4-FFF2-40B4-BE49-F238E27FC236}">
+                <a16:creationId xmlns:a16="http://schemas.microsoft.com/office/drawing/2014/main" id="{6D954683-E494-45A3-AC8D-FBF68B5040AF}"/>
+              </a:ext>
+            </a:extLst>
+          </p:cNvPr>
+          <p:cNvPicPr>
+            <a:picLocks noChangeAspect="1"/>
+          </p:cNvPicPr>
+          <p:nvPr/>
+        </p:nvPicPr>
+        <p:blipFill>
+          <a:blip r:embed="rId5"/>
+          <a:stretch>
+            <a:fillRect/>
+          </a:stretch>
+        </p:blipFill>
+        <p:spPr>
+          <a:xfrm>
+            <a:off x="6824673" y="3830390"/>
+            <a:ext cx="4382157" cy="2728731"/>
           </a:xfrm>
           <a:prstGeom prst="rect">
             <a:avLst/>
@@ -5726,7 +5216,7 @@
     </p:spTree>
     <p:extLst>
       <p:ext uri="{BB962C8B-B14F-4D97-AF65-F5344CB8AC3E}">
-        <p14:creationId xmlns:p14="http://schemas.microsoft.com/office/powerpoint/2010/main" val="1210804036"/>
+        <p14:creationId xmlns:p14="http://schemas.microsoft.com/office/powerpoint/2010/main" val="815244731"/>
       </p:ext>
     </p:extLst>
   </p:cSld>
